--- a/assets/lectures/cshl/2021/mini/RNASeq_MiniLecture_03_03_DifferentialExpression.pptx
+++ b/assets/lectures/cshl/2021/mini/RNASeq_MiniLecture_03_03_DifferentialExpression.pptx
@@ -208,7 +208,7 @@
           <a:p>
             <a:fld id="{827BD9F9-8452-A342-BB1B-28ECF19E2CC5}" type="datetimeFigureOut">
               <a:rPr lang="en-US" smtClean="0"/>
-              <a:t>11/17/20</a:t>
+              <a:t>11/10/21</a:t>
             </a:fld>
             <a:endParaRPr lang="en-US"/>
           </a:p>
@@ -1037,14 +1037,14 @@
           </a:ln>
           <a:extLst>
             <a:ext uri="{909E8E84-426E-40dd-AFC4-6F175D3DCCD1}">
-              <a14:hiddenFill xmlns:a14="http://schemas.microsoft.com/office/drawing/2010/main" xmlns="">
+              <a14:hiddenFill xmlns="" xmlns:a14="http://schemas.microsoft.com/office/drawing/2010/main">
                 <a:solidFill>
                   <a:srgbClr val="FFFFFF"/>
                 </a:solidFill>
               </a14:hiddenFill>
             </a:ext>
             <a:ext uri="{91240B29-F687-4f45-9708-019B960494DF}">
-              <a14:hiddenLine xmlns:a14="http://schemas.microsoft.com/office/drawing/2010/main" xmlns="" w="9525">
+              <a14:hiddenLine xmlns="" xmlns:a14="http://schemas.microsoft.com/office/drawing/2010/main" w="9525">
                 <a:solidFill>
                   <a:srgbClr val="000000"/>
                 </a:solidFill>
@@ -1539,14 +1539,14 @@
           </a:ln>
           <a:extLst>
             <a:ext uri="{909E8E84-426E-40dd-AFC4-6F175D3DCCD1}">
-              <a14:hiddenFill xmlns:a14="http://schemas.microsoft.com/office/drawing/2010/main" xmlns="">
+              <a14:hiddenFill xmlns="" xmlns:a14="http://schemas.microsoft.com/office/drawing/2010/main">
                 <a:solidFill>
                   <a:srgbClr val="FFFFFF"/>
                 </a:solidFill>
               </a14:hiddenFill>
             </a:ext>
             <a:ext uri="{91240B29-F687-4f45-9708-019B960494DF}">
-              <a14:hiddenLine xmlns:a14="http://schemas.microsoft.com/office/drawing/2010/main" xmlns="" w="9525">
+              <a14:hiddenLine xmlns="" xmlns:a14="http://schemas.microsoft.com/office/drawing/2010/main" w="9525">
                 <a:solidFill>
                   <a:srgbClr val="000000"/>
                 </a:solidFill>
@@ -3264,14 +3264,14 @@
           </a:ln>
           <a:extLst>
             <a:ext uri="{909E8E84-426E-40dd-AFC4-6F175D3DCCD1}">
-              <a14:hiddenFill xmlns:a14="http://schemas.microsoft.com/office/drawing/2010/main" xmlns="">
+              <a14:hiddenFill xmlns="" xmlns:a14="http://schemas.microsoft.com/office/drawing/2010/main">
                 <a:solidFill>
                   <a:srgbClr val="FFFFFF"/>
                 </a:solidFill>
               </a14:hiddenFill>
             </a:ext>
             <a:ext uri="{91240B29-F687-4f45-9708-019B960494DF}">
-              <a14:hiddenLine xmlns:a14="http://schemas.microsoft.com/office/drawing/2010/main" xmlns="" w="9525">
+              <a14:hiddenLine xmlns="" xmlns:a14="http://schemas.microsoft.com/office/drawing/2010/main" w="9525">
                 <a:solidFill>
                   <a:srgbClr val="000000"/>
                 </a:solidFill>
@@ -4165,14 +4165,14 @@
           </a:ln>
           <a:extLst>
             <a:ext uri="{909E8E84-426E-40dd-AFC4-6F175D3DCCD1}">
-              <a14:hiddenFill xmlns="" xmlns:a14="http://schemas.microsoft.com/office/drawing/2010/main">
+              <a14:hiddenFill xmlns:a14="http://schemas.microsoft.com/office/drawing/2010/main" xmlns="">
                 <a:solidFill>
                   <a:srgbClr val="FFFFFF"/>
                 </a:solidFill>
               </a14:hiddenFill>
             </a:ext>
             <a:ext uri="{91240B29-F687-4f45-9708-019B960494DF}">
-              <a14:hiddenLine xmlns="" xmlns:a14="http://schemas.microsoft.com/office/drawing/2010/main" w="9525">
+              <a14:hiddenLine xmlns:a14="http://schemas.microsoft.com/office/drawing/2010/main" xmlns="" w="9525">
                 <a:solidFill>
                   <a:srgbClr val="000000"/>
                 </a:solidFill>
@@ -4264,21 +4264,49 @@
                 <a:latin typeface="Calibri"/>
                 <a:cs typeface="Calibri"/>
               </a:rPr>
-              <a:t>John Chamberlin, </a:t>
+              <a:t>Kelsy Cotto, Arpad </a:t>
             </a:r>
             <a:r>
               <a:rPr lang="en-US" sz="1800" dirty="0" err="1">
                 <a:latin typeface="Calibri"/>
                 <a:cs typeface="Calibri"/>
               </a:rPr>
-              <a:t>Kelsy</a:t>
+              <a:t>Danos</a:t>
             </a:r>
             <a:r>
               <a:rPr lang="en-US" sz="1800" dirty="0">
                 <a:latin typeface="Calibri"/>
                 <a:cs typeface="Calibri"/>
               </a:rPr>
-              <a:t> Cotto, Felicia Gomez, Obi Griffith, Malachi Griffith, </a:t>
+              <a:t>, Harriet </a:t>
+            </a:r>
+            <a:r>
+              <a:rPr lang="en-US" sz="1800" dirty="0" err="1">
+                <a:latin typeface="Calibri"/>
+                <a:cs typeface="Calibri"/>
+              </a:rPr>
+              <a:t>Dashnow</a:t>
+            </a:r>
+            <a:r>
+              <a:rPr lang="en-US" sz="1800" dirty="0">
+                <a:latin typeface="Calibri"/>
+                <a:cs typeface="Calibri"/>
+              </a:rPr>
+              <a:t>, Felicia Gomez, Sharon </a:t>
+            </a:r>
+            <a:r>
+              <a:rPr lang="en-US" sz="1800" dirty="0" err="1">
+                <a:latin typeface="Calibri"/>
+                <a:cs typeface="Calibri"/>
+              </a:rPr>
+              <a:t>Freshour</a:t>
+            </a:r>
+            <a:r>
+              <a:rPr lang="en-US" sz="1800" dirty="0">
+                <a:latin typeface="Calibri"/>
+                <a:cs typeface="Calibri"/>
+              </a:rPr>
+              <a:t>, Obi Griffith, </a:t>
             </a:r>
           </a:p>
           <a:p>
@@ -4290,21 +4318,35 @@
                 <a:latin typeface="Calibri"/>
                 <a:cs typeface="Calibri"/>
               </a:rPr>
-              <a:t>Simone Longo, Allegra Petti, Aaron Quinlan, Megan </a:t>
+              <a:t>Malachi Griffith, Jason </a:t>
             </a:r>
             <a:r>
               <a:rPr lang="en-US" sz="1800" dirty="0" err="1">
                 <a:latin typeface="Calibri"/>
                 <a:cs typeface="Calibri"/>
               </a:rPr>
-              <a:t>Richters</a:t>
+              <a:t>Kunisaki</a:t>
             </a:r>
             <a:r>
               <a:rPr lang="en-US" sz="1800" dirty="0">
                 <a:latin typeface="Calibri"/>
                 <a:cs typeface="Calibri"/>
               </a:rPr>
-              <a:t>, Huiming Xia</a:t>
+              <a:t>, Chris Miller, Jonathan </a:t>
+            </a:r>
+            <a:r>
+              <a:rPr lang="en-US" sz="1800" dirty="0" err="1">
+                <a:latin typeface="Calibri"/>
+                <a:cs typeface="Calibri"/>
+              </a:rPr>
+              <a:t>Preall</a:t>
+            </a:r>
+            <a:r>
+              <a:rPr lang="en-US" sz="1800" dirty="0">
+                <a:latin typeface="Calibri"/>
+                <a:cs typeface="Calibri"/>
+              </a:rPr>
+              <a:t>, Aaron Quinlan</a:t>
             </a:r>
           </a:p>
           <a:p>
@@ -4312,7 +4354,7 @@
               <a:defRPr/>
             </a:pPr>
             <a:r>
-              <a:rPr lang="en-US" sz="1800" dirty="0">
+              <a:rPr lang="en-US" sz="1800">
                 <a:ln w="1270">
                   <a:solidFill>
                     <a:schemeClr val="tx1">
@@ -4326,7 +4368,7 @@
               <a:t>Advanced Sequencing Technologies &amp; Bioinformatics Analysis </a:t>
             </a:r>
             <a:r>
-              <a:rPr lang="en-US" sz="1600" dirty="0">
+              <a:rPr lang="en-US" sz="1600">
                 <a:ln w="1270">
                   <a:solidFill>
                     <a:schemeClr val="tx1">
@@ -4337,8 +4379,19 @@
                 <a:latin typeface="Calibri"/>
                 <a:cs typeface="Calibri"/>
               </a:rPr>
-              <a:t>November 16-20, 2020</a:t>
-            </a:r>
+              <a:t>November 11-19, 2021</a:t>
+            </a:r>
+            <a:endParaRPr lang="en-US" sz="1600" dirty="0">
+              <a:ln w="1270">
+                <a:solidFill>
+                  <a:schemeClr val="tx1">
+                    <a:alpha val="38000"/>
+                  </a:schemeClr>
+                </a:solidFill>
+              </a:ln>
+              <a:latin typeface="Calibri"/>
+              <a:cs typeface="Calibri"/>
+            </a:endParaRPr>
           </a:p>
         </p:txBody>
       </p:sp>
@@ -5312,14 +5365,14 @@
           </a:ln>
           <a:extLst>
             <a:ext uri="{909E8E84-426E-40dd-AFC4-6F175D3DCCD1}">
-              <a14:hiddenFill xmlns="" xmlns:a14="http://schemas.microsoft.com/office/drawing/2010/main">
+              <a14:hiddenFill xmlns:a14="http://schemas.microsoft.com/office/drawing/2010/main" xmlns="">
                 <a:solidFill>
                   <a:srgbClr val="FFFFFF"/>
                 </a:solidFill>
               </a14:hiddenFill>
             </a:ext>
             <a:ext uri="{91240B29-F687-4f45-9708-019B960494DF}">
-              <a14:hiddenLine xmlns="" xmlns:a14="http://schemas.microsoft.com/office/drawing/2010/main" w="9525">
+              <a14:hiddenLine xmlns:a14="http://schemas.microsoft.com/office/drawing/2010/main" xmlns="" w="9525">
                 <a:solidFill>
                   <a:srgbClr val="000000"/>
                 </a:solidFill>
@@ -5800,14 +5853,14 @@
             </a:ln>
             <a:extLst>
               <a:ext uri="{909E8E84-426E-40dd-AFC4-6F175D3DCCD1}">
-                <a14:hiddenFill xmlns="" xmlns:a14="http://schemas.microsoft.com/office/drawing/2010/main">
+                <a14:hiddenFill xmlns:a14="http://schemas.microsoft.com/office/drawing/2010/main" xmlns="">
                   <a:solidFill>
                     <a:srgbClr val="FFFFFF"/>
                   </a:solidFill>
                 </a14:hiddenFill>
               </a:ext>
               <a:ext uri="{91240B29-F687-4f45-9708-019B960494DF}">
-                <a14:hiddenLine xmlns="" xmlns:a14="http://schemas.microsoft.com/office/drawing/2010/main" w="9525">
+                <a14:hiddenLine xmlns:a14="http://schemas.microsoft.com/office/drawing/2010/main" xmlns="" w="9525">
                   <a:solidFill>
                     <a:srgbClr val="000000"/>
                   </a:solidFill>
@@ -6119,14 +6172,14 @@
             </a:ln>
             <a:extLst>
               <a:ext uri="{909E8E84-426E-40dd-AFC4-6F175D3DCCD1}">
-                <a14:hiddenFill xmlns="" xmlns:a14="http://schemas.microsoft.com/office/drawing/2010/main">
+                <a14:hiddenFill xmlns:a14="http://schemas.microsoft.com/office/drawing/2010/main" xmlns="">
                   <a:solidFill>
                     <a:srgbClr val="FFFFFF"/>
                   </a:solidFill>
                 </a14:hiddenFill>
               </a:ext>
               <a:ext uri="{91240B29-F687-4f45-9708-019B960494DF}">
-                <a14:hiddenLine xmlns="" xmlns:a14="http://schemas.microsoft.com/office/drawing/2010/main" w="9525">
+                <a14:hiddenLine xmlns:a14="http://schemas.microsoft.com/office/drawing/2010/main" xmlns="" w="9525">
                   <a:solidFill>
                     <a:srgbClr val="000000"/>
                   </a:solidFill>
@@ -6452,14 +6505,14 @@
             </a:ln>
             <a:extLst>
               <a:ext uri="{909E8E84-426E-40dd-AFC4-6F175D3DCCD1}">
-                <a14:hiddenFill xmlns="" xmlns:a14="http://schemas.microsoft.com/office/drawing/2010/main">
+                <a14:hiddenFill xmlns:a14="http://schemas.microsoft.com/office/drawing/2010/main" xmlns="">
                   <a:solidFill>
                     <a:srgbClr val="FFFFFF"/>
                   </a:solidFill>
                 </a14:hiddenFill>
               </a:ext>
               <a:ext uri="{91240B29-F687-4f45-9708-019B960494DF}">
-                <a14:hiddenLine xmlns="" xmlns:a14="http://schemas.microsoft.com/office/drawing/2010/main" w="9525">
+                <a14:hiddenLine xmlns:a14="http://schemas.microsoft.com/office/drawing/2010/main" xmlns="" w="9525">
                   <a:solidFill>
                     <a:srgbClr val="000000"/>
                   </a:solidFill>
@@ -6785,14 +6838,14 @@
             </a:ln>
             <a:extLst>
               <a:ext uri="{909E8E84-426E-40dd-AFC4-6F175D3DCCD1}">
-                <a14:hiddenFill xmlns="" xmlns:a14="http://schemas.microsoft.com/office/drawing/2010/main">
+                <a14:hiddenFill xmlns:a14="http://schemas.microsoft.com/office/drawing/2010/main" xmlns="">
                   <a:solidFill>
                     <a:srgbClr val="FFFFFF"/>
                   </a:solidFill>
                 </a14:hiddenFill>
               </a:ext>
               <a:ext uri="{91240B29-F687-4f45-9708-019B960494DF}">
-                <a14:hiddenLine xmlns="" xmlns:a14="http://schemas.microsoft.com/office/drawing/2010/main" w="9525">
+                <a14:hiddenLine xmlns:a14="http://schemas.microsoft.com/office/drawing/2010/main" xmlns="" w="9525">
                   <a:solidFill>
                     <a:srgbClr val="000000"/>
                   </a:solidFill>
@@ -7118,14 +7171,14 @@
             </a:ln>
             <a:extLst>
               <a:ext uri="{909E8E84-426E-40dd-AFC4-6F175D3DCCD1}">
-                <a14:hiddenFill xmlns="" xmlns:a14="http://schemas.microsoft.com/office/drawing/2010/main">
+                <a14:hiddenFill xmlns:a14="http://schemas.microsoft.com/office/drawing/2010/main" xmlns="">
                   <a:solidFill>
                     <a:srgbClr val="FFFFFF"/>
                   </a:solidFill>
                 </a14:hiddenFill>
               </a:ext>
               <a:ext uri="{91240B29-F687-4f45-9708-019B960494DF}">
-                <a14:hiddenLine xmlns="" xmlns:a14="http://schemas.microsoft.com/office/drawing/2010/main" w="9525">
+                <a14:hiddenLine xmlns:a14="http://schemas.microsoft.com/office/drawing/2010/main" xmlns="" w="9525">
                   <a:solidFill>
                     <a:srgbClr val="000000"/>
                   </a:solidFill>
@@ -7454,14 +7507,14 @@
             </a:ln>
             <a:extLst>
               <a:ext uri="{909E8E84-426E-40dd-AFC4-6F175D3DCCD1}">
-                <a14:hiddenFill xmlns="" xmlns:a14="http://schemas.microsoft.com/office/drawing/2010/main">
+                <a14:hiddenFill xmlns:a14="http://schemas.microsoft.com/office/drawing/2010/main" xmlns="">
                   <a:solidFill>
                     <a:srgbClr val="FFFFFF"/>
                   </a:solidFill>
                 </a14:hiddenFill>
               </a:ext>
               <a:ext uri="{91240B29-F687-4f45-9708-019B960494DF}">
-                <a14:hiddenLine xmlns="" xmlns:a14="http://schemas.microsoft.com/office/drawing/2010/main" w="9525">
+                <a14:hiddenLine xmlns:a14="http://schemas.microsoft.com/office/drawing/2010/main" xmlns="" w="9525">
                   <a:solidFill>
                     <a:srgbClr val="000000"/>
                   </a:solidFill>
@@ -8483,14 +8536,14 @@
           </a:ln>
           <a:extLst>
             <a:ext uri="{909E8E84-426E-40dd-AFC4-6F175D3DCCD1}">
-              <a14:hiddenFill xmlns="" xmlns:a14="http://schemas.microsoft.com/office/drawing/2010/main">
+              <a14:hiddenFill xmlns:a14="http://schemas.microsoft.com/office/drawing/2010/main" xmlns="">
                 <a:solidFill>
                   <a:srgbClr val="FFFFFF"/>
                 </a:solidFill>
               </a14:hiddenFill>
             </a:ext>
             <a:ext uri="{91240B29-F687-4f45-9708-019B960494DF}">
-              <a14:hiddenLine xmlns="" xmlns:a14="http://schemas.microsoft.com/office/drawing/2010/main" w="9525">
+              <a14:hiddenLine xmlns:a14="http://schemas.microsoft.com/office/drawing/2010/main" xmlns="" w="9525">
                 <a:solidFill>
                   <a:srgbClr val="000000"/>
                 </a:solidFill>
